--- a/Linux project.pptx
+++ b/Linux project.pptx
@@ -12,9 +12,10 @@
     <p:sldId id="262" r:id="rId6"/>
     <p:sldId id="263" r:id="rId7"/>
     <p:sldId id="261" r:id="rId8"/>
-    <p:sldId id="264" r:id="rId9"/>
-    <p:sldId id="265" r:id="rId10"/>
-    <p:sldId id="256" r:id="rId11"/>
+    <p:sldId id="266" r:id="rId9"/>
+    <p:sldId id="264" r:id="rId10"/>
+    <p:sldId id="265" r:id="rId11"/>
+    <p:sldId id="256" r:id="rId12"/>
   </p:sldIdLst>
   <p:sldSz cx="9144000" cy="6858000" type="screen4x3"/>
   <p:notesSz cx="6858000" cy="9144000"/>
@@ -3798,6 +3799,156 @@
 <file path=ppt/slides/slide10.xml><?xml version="1.0" encoding="utf-8"?>
 <p:sld xmlns:a="http://schemas.openxmlformats.org/drawingml/2006/main" xmlns:r="http://schemas.openxmlformats.org/officeDocument/2006/relationships" xmlns:p="http://schemas.openxmlformats.org/presentationml/2006/main">
   <p:cSld>
+    <p:spTree>
+      <p:nvGrpSpPr>
+        <p:cNvPr id="1" name=""/>
+        <p:cNvGrpSpPr/>
+        <p:nvPr/>
+      </p:nvGrpSpPr>
+      <p:grpSpPr>
+        <a:xfrm>
+          <a:off x="0" y="0"/>
+          <a:ext cx="0" cy="0"/>
+          <a:chOff x="0" y="0"/>
+          <a:chExt cx="0" cy="0"/>
+        </a:xfrm>
+      </p:grpSpPr>
+      <p:sp>
+        <p:nvSpPr>
+          <p:cNvPr id="2" name="Title 1">
+            <a:extLst>
+              <a:ext uri="{FF2B5EF4-FFF2-40B4-BE49-F238E27FC236}">
+                <a16:creationId xmlns:a16="http://schemas.microsoft.com/office/drawing/2014/main" id="{6A6E568D-87EB-4161-B3A8-636463C90756}"/>
+              </a:ext>
+            </a:extLst>
+          </p:cNvPr>
+          <p:cNvSpPr>
+            <a:spLocks noGrp="1"/>
+          </p:cNvSpPr>
+          <p:nvPr>
+            <p:ph type="title"/>
+          </p:nvPr>
+        </p:nvSpPr>
+        <p:spPr>
+          <a:xfrm>
+            <a:off x="431474" y="0"/>
+            <a:ext cx="8229600" cy="1143000"/>
+          </a:xfrm>
+        </p:spPr>
+        <p:txBody>
+          <a:bodyPr/>
+          <a:lstStyle/>
+          <a:p>
+            <a:r>
+              <a:rPr lang="en-US" sz="3200" b="1" dirty="0">
+                <a:solidFill>
+                  <a:schemeClr val="bg1"/>
+                </a:solidFill>
+                <a:effectLst>
+                  <a:outerShdw blurRad="38100" dist="38100" dir="2700000" algn="tl">
+                    <a:srgbClr val="000000">
+                      <a:alpha val="43137"/>
+                    </a:srgbClr>
+                  </a:outerShdw>
+                </a:effectLst>
+                <a:highlight>
+                  <a:srgbClr val="0099CC"/>
+                </a:highlight>
+              </a:rPr>
+              <a:t>The importance of communication when working on shared files</a:t>
+            </a:r>
+            <a:endParaRPr lang="en-RW" sz="3200" b="1" dirty="0">
+              <a:solidFill>
+                <a:schemeClr val="bg1"/>
+              </a:solidFill>
+              <a:effectLst>
+                <a:outerShdw blurRad="38100" dist="38100" dir="2700000" algn="tl">
+                  <a:srgbClr val="000000">
+                    <a:alpha val="43137"/>
+                  </a:srgbClr>
+                </a:outerShdw>
+              </a:effectLst>
+              <a:highlight>
+                <a:srgbClr val="0099CC"/>
+              </a:highlight>
+            </a:endParaRPr>
+          </a:p>
+        </p:txBody>
+      </p:sp>
+      <p:sp>
+        <p:nvSpPr>
+          <p:cNvPr id="3" name="Content Placeholder 2">
+            <a:extLst>
+              <a:ext uri="{FF2B5EF4-FFF2-40B4-BE49-F238E27FC236}">
+                <a16:creationId xmlns:a16="http://schemas.microsoft.com/office/drawing/2014/main" id="{BF3D3146-C709-44D0-A751-94348551BDB5}"/>
+              </a:ext>
+            </a:extLst>
+          </p:cNvPr>
+          <p:cNvSpPr>
+            <a:spLocks noGrp="1"/>
+          </p:cNvSpPr>
+          <p:nvPr>
+            <p:ph idx="1"/>
+          </p:nvPr>
+        </p:nvSpPr>
+        <p:spPr/>
+        <p:txBody>
+          <a:bodyPr/>
+          <a:lstStyle/>
+          <a:p>
+            <a:r>
+              <a:rPr lang="en-US" sz="2000" b="1" dirty="0"/>
+              <a:t>Minimizing conflicts: </a:t>
+            </a:r>
+            <a:r>
+              <a:rPr lang="en-US" sz="2000" dirty="0"/>
+              <a:t>Effective communication allows team members to discuss their work, intentions, and progress. It helps identify potential conflicts or overlapping efforts, enabling the team to resolve them before they become problematic.</a:t>
+            </a:r>
+          </a:p>
+          <a:p>
+            <a:r>
+              <a:rPr lang="en-US" sz="2000" b="1" dirty="0"/>
+              <a:t>Maintaining consistency : </a:t>
+            </a:r>
+            <a:r>
+              <a:rPr lang="en-US" sz="2000" dirty="0"/>
+              <a:t>Communication ensures that team members adhere to agreed-upon formatting, styles, and guidelines. Consistency in shared files leads to a unified and professional outcome.</a:t>
+            </a:r>
+          </a:p>
+          <a:p>
+            <a:r>
+              <a:rPr lang="en-US" sz="2000" b="1" dirty="0"/>
+              <a:t>Problem-solving: </a:t>
+            </a:r>
+            <a:r>
+              <a:rPr lang="en-US" sz="2000" dirty="0"/>
+              <a:t>Communication and coordination facilitate effective problem-solving. Team members can discuss challenges they encounter while working on shared files and collaboratively find solutions.</a:t>
+            </a:r>
+          </a:p>
+          <a:p>
+            <a:endParaRPr lang="en-US" sz="2000" dirty="0"/>
+          </a:p>
+          <a:p>
+            <a:endParaRPr lang="en-RW" dirty="0"/>
+          </a:p>
+        </p:txBody>
+      </p:sp>
+    </p:spTree>
+    <p:extLst>
+      <p:ext uri="{BB962C8B-B14F-4D97-AF65-F5344CB8AC3E}">
+        <p14:creationId xmlns:p14="http://schemas.microsoft.com/office/powerpoint/2010/main" val="2190905341"/>
+      </p:ext>
+    </p:extLst>
+  </p:cSld>
+  <p:clrMapOvr>
+    <a:masterClrMapping/>
+  </p:clrMapOvr>
+</p:sld>
+</file>
+
+<file path=ppt/slides/slide11.xml><?xml version="1.0" encoding="utf-8"?>
+<p:sld xmlns:a="http://schemas.openxmlformats.org/drawingml/2006/main" xmlns:r="http://schemas.openxmlformats.org/officeDocument/2006/relationships" xmlns:p="http://schemas.openxmlformats.org/presentationml/2006/main">
+  <p:cSld>
     <p:bg>
       <p:bgPr>
         <a:blipFill dpi="0" rotWithShape="0">
@@ -3852,8 +4003,8 @@
         </p:blipFill>
         <p:spPr>
           <a:xfrm>
-            <a:off x="5508104" y="-7527"/>
-            <a:ext cx="3456384" cy="3456384"/>
+            <a:off x="4283968" y="1052736"/>
+            <a:ext cx="3816424" cy="3816424"/>
           </a:xfrm>
           <a:prstGeom prst="rect">
             <a:avLst/>
@@ -4534,6 +4685,169 @@
           </a:p>
         </p:txBody>
       </p:sp>
+      <p:pic>
+        <p:nvPicPr>
+          <p:cNvPr id="9" name="Picture 8">
+            <a:extLst>
+              <a:ext uri="{FF2B5EF4-FFF2-40B4-BE49-F238E27FC236}">
+                <a16:creationId xmlns:a16="http://schemas.microsoft.com/office/drawing/2014/main" id="{E0332D85-9620-4079-90FD-BB136217ECC6}"/>
+              </a:ext>
+            </a:extLst>
+          </p:cNvPr>
+          <p:cNvPicPr>
+            <a:picLocks noChangeAspect="1"/>
+          </p:cNvPicPr>
+          <p:nvPr/>
+        </p:nvPicPr>
+        <p:blipFill>
+          <a:blip r:embed="rId4"/>
+          <a:stretch>
+            <a:fillRect/>
+          </a:stretch>
+        </p:blipFill>
+        <p:spPr>
+          <a:xfrm>
+            <a:off x="1017344" y="5257800"/>
+            <a:ext cx="5581650" cy="504825"/>
+          </a:xfrm>
+          <a:prstGeom prst="rect">
+            <a:avLst/>
+          </a:prstGeom>
+        </p:spPr>
+      </p:pic>
+      <p:sp>
+        <p:nvSpPr>
+          <p:cNvPr id="10" name="TextBox 9">
+            <a:extLst>
+              <a:ext uri="{FF2B5EF4-FFF2-40B4-BE49-F238E27FC236}">
+                <a16:creationId xmlns:a16="http://schemas.microsoft.com/office/drawing/2014/main" id="{0B98A629-0CCC-4368-A211-935BE19AF822}"/>
+              </a:ext>
+            </a:extLst>
+          </p:cNvPr>
+          <p:cNvSpPr txBox="1"/>
+          <p:nvPr/>
+        </p:nvSpPr>
+        <p:spPr>
+          <a:xfrm>
+            <a:off x="1785952" y="4052463"/>
+            <a:ext cx="184731" cy="369332"/>
+          </a:xfrm>
+          <a:prstGeom prst="rect">
+            <a:avLst/>
+          </a:prstGeom>
+          <a:noFill/>
+        </p:spPr>
+        <p:txBody>
+          <a:bodyPr wrap="none" rtlCol="0">
+            <a:spAutoFit/>
+          </a:bodyPr>
+          <a:lstStyle/>
+          <a:p>
+            <a:endParaRPr lang="en-RW" dirty="0"/>
+          </a:p>
+        </p:txBody>
+      </p:sp>
+      <p:pic>
+        <p:nvPicPr>
+          <p:cNvPr id="11" name="Picture 10">
+            <a:extLst>
+              <a:ext uri="{FF2B5EF4-FFF2-40B4-BE49-F238E27FC236}">
+                <a16:creationId xmlns:a16="http://schemas.microsoft.com/office/drawing/2014/main" id="{59FF5564-4B74-4495-8174-54A46F0C4276}"/>
+              </a:ext>
+            </a:extLst>
+          </p:cNvPr>
+          <p:cNvPicPr>
+            <a:picLocks noChangeAspect="1"/>
+          </p:cNvPicPr>
+          <p:nvPr/>
+        </p:nvPicPr>
+        <p:blipFill rotWithShape="1">
+          <a:blip r:embed="rId5"/>
+          <a:srcRect r="13453" b="-3922"/>
+          <a:stretch/>
+        </p:blipFill>
+        <p:spPr>
+          <a:xfrm>
+            <a:off x="1100123" y="4127826"/>
+            <a:ext cx="5416093" cy="504826"/>
+          </a:xfrm>
+          <a:prstGeom prst="rect">
+            <a:avLst/>
+          </a:prstGeom>
+        </p:spPr>
+      </p:pic>
+      <p:sp>
+        <p:nvSpPr>
+          <p:cNvPr id="12" name="TextBox 11">
+            <a:extLst>
+              <a:ext uri="{FF2B5EF4-FFF2-40B4-BE49-F238E27FC236}">
+                <a16:creationId xmlns:a16="http://schemas.microsoft.com/office/drawing/2014/main" id="{1473C510-F470-453F-85D0-32FC60FB3AF6}"/>
+              </a:ext>
+            </a:extLst>
+          </p:cNvPr>
+          <p:cNvSpPr txBox="1"/>
+          <p:nvPr/>
+        </p:nvSpPr>
+        <p:spPr>
+          <a:xfrm>
+            <a:off x="1619672" y="3724588"/>
+            <a:ext cx="4903907" cy="369332"/>
+          </a:xfrm>
+          <a:prstGeom prst="rect">
+            <a:avLst/>
+          </a:prstGeom>
+          <a:noFill/>
+        </p:spPr>
+        <p:txBody>
+          <a:bodyPr wrap="none" rtlCol="0">
+            <a:spAutoFit/>
+          </a:bodyPr>
+          <a:lstStyle/>
+          <a:p>
+            <a:r>
+              <a:rPr lang="en-US" b="1" dirty="0"/>
+              <a:t>Changing the ownership to group students</a:t>
+            </a:r>
+            <a:endParaRPr lang="en-RW" b="1" dirty="0"/>
+          </a:p>
+        </p:txBody>
+      </p:sp>
+      <p:sp>
+        <p:nvSpPr>
+          <p:cNvPr id="13" name="TextBox 12">
+            <a:extLst>
+              <a:ext uri="{FF2B5EF4-FFF2-40B4-BE49-F238E27FC236}">
+                <a16:creationId xmlns:a16="http://schemas.microsoft.com/office/drawing/2014/main" id="{3B7D5438-630A-4C4E-8A15-0E294779E54C}"/>
+              </a:ext>
+            </a:extLst>
+          </p:cNvPr>
+          <p:cNvSpPr txBox="1"/>
+          <p:nvPr/>
+        </p:nvSpPr>
+        <p:spPr>
+          <a:xfrm>
+            <a:off x="1475656" y="4791939"/>
+            <a:ext cx="5583580" cy="369332"/>
+          </a:xfrm>
+          <a:prstGeom prst="rect">
+            <a:avLst/>
+          </a:prstGeom>
+          <a:noFill/>
+        </p:spPr>
+        <p:txBody>
+          <a:bodyPr wrap="none" rtlCol="0">
+            <a:spAutoFit/>
+          </a:bodyPr>
+          <a:lstStyle/>
+          <a:p>
+            <a:r>
+              <a:rPr lang="en-US" b="1" dirty="0"/>
+              <a:t>Add read and write permission to group students</a:t>
+            </a:r>
+            <a:endParaRPr lang="en-RW" b="1" dirty="0"/>
+          </a:p>
+        </p:txBody>
+      </p:sp>
     </p:spTree>
     <p:extLst>
       <p:ext uri="{BB962C8B-B14F-4D97-AF65-F5344CB8AC3E}">
@@ -4752,7 +5066,7 @@
                   <a:srgbClr val="0099CC"/>
                 </a:highlight>
               </a:rPr>
-              <a:t>Cont..</a:t>
+              <a:t>Cont’d</a:t>
             </a:r>
             <a:endParaRPr lang="en-RW" dirty="0">
               <a:solidFill>
@@ -4993,7 +5307,7 @@
         <p:spPr>
           <a:xfrm>
             <a:off x="0" y="1965127"/>
-            <a:ext cx="9144000" cy="2927745"/>
+            <a:ext cx="9144000" cy="3480097"/>
           </a:xfrm>
           <a:prstGeom prst="rect">
             <a:avLst/>
@@ -5082,25 +5396,57 @@
           <a:chExt cx="0" cy="0"/>
         </a:xfrm>
       </p:grpSpPr>
-      <p:sp>
-        <p:nvSpPr>
-          <p:cNvPr id="2" name="Title 1">
-            <a:extLst>
-              <a:ext uri="{FF2B5EF4-FFF2-40B4-BE49-F238E27FC236}">
-                <a16:creationId xmlns:a16="http://schemas.microsoft.com/office/drawing/2014/main" id="{63A65041-3F87-4662-9E46-D242A9E8AC22}"/>
-              </a:ext>
-            </a:extLst>
-          </p:cNvPr>
-          <p:cNvSpPr>
-            <a:spLocks noGrp="1"/>
-          </p:cNvSpPr>
-          <p:nvPr>
-            <p:ph type="title"/>
-          </p:nvPr>
-        </p:nvSpPr>
+      <p:pic>
+        <p:nvPicPr>
+          <p:cNvPr id="5" name="Content Placeholder 4">
+            <a:extLst>
+              <a:ext uri="{FF2B5EF4-FFF2-40B4-BE49-F238E27FC236}">
+                <a16:creationId xmlns:a16="http://schemas.microsoft.com/office/drawing/2014/main" id="{B3399472-68E7-4051-AFD5-ED49C0165EB3}"/>
+              </a:ext>
+            </a:extLst>
+          </p:cNvPr>
+          <p:cNvPicPr>
+            <a:picLocks noGrp="1" noChangeAspect="1"/>
+          </p:cNvPicPr>
+          <p:nvPr>
+            <p:ph idx="1"/>
+          </p:nvPr>
+        </p:nvPicPr>
+        <p:blipFill>
+          <a:blip r:embed="rId2"/>
+          <a:stretch>
+            <a:fillRect/>
+          </a:stretch>
+        </p:blipFill>
         <p:spPr>
           <a:xfrm>
-            <a:off x="449810" y="0"/>
+            <a:off x="0" y="1988840"/>
+            <a:ext cx="9291804" cy="3744416"/>
+          </a:xfrm>
+          <a:prstGeom prst="rect">
+            <a:avLst/>
+          </a:prstGeom>
+        </p:spPr>
+      </p:pic>
+      <p:sp>
+        <p:nvSpPr>
+          <p:cNvPr id="4" name="Title 5">
+            <a:extLst>
+              <a:ext uri="{FF2B5EF4-FFF2-40B4-BE49-F238E27FC236}">
+                <a16:creationId xmlns:a16="http://schemas.microsoft.com/office/drawing/2014/main" id="{AD68DD16-C28E-4367-B29A-E42C504108A4}"/>
+              </a:ext>
+            </a:extLst>
+          </p:cNvPr>
+          <p:cNvSpPr>
+            <a:spLocks noGrp="1"/>
+          </p:cNvSpPr>
+          <p:nvPr>
+            <p:ph type="title"/>
+          </p:nvPr>
+        </p:nvSpPr>
+        <p:spPr>
+          <a:xfrm>
+            <a:off x="457200" y="274638"/>
             <a:ext cx="8229600" cy="1143000"/>
           </a:xfrm>
         </p:spPr>
@@ -5109,7 +5455,7 @@
           <a:lstStyle/>
           <a:p>
             <a:r>
-              <a:rPr lang="en-US" b="1" dirty="0">
+              <a:rPr lang="en-US" sz="3200" b="1" dirty="0">
                 <a:solidFill>
                   <a:schemeClr val="bg1"/>
                 </a:solidFill>
@@ -5124,9 +5470,9 @@
                   <a:srgbClr val="0099CC"/>
                 </a:highlight>
               </a:rPr>
-              <a:t>Text editor</a:t>
-            </a:r>
-            <a:endParaRPr lang="en-RW" b="1" dirty="0">
+              <a:t>Cont’d</a:t>
+            </a:r>
+            <a:endParaRPr lang="en-RW" dirty="0">
               <a:solidFill>
                 <a:schemeClr val="bg1"/>
               </a:solidFill>
@@ -5137,84 +5483,122 @@
                   </a:srgbClr>
                 </a:outerShdw>
               </a:effectLst>
-              <a:highlight>
-                <a:srgbClr val="0099CC"/>
-              </a:highlight>
             </a:endParaRPr>
           </a:p>
         </p:txBody>
       </p:sp>
       <p:sp>
         <p:nvSpPr>
-          <p:cNvPr id="3" name="Content Placeholder 2">
-            <a:extLst>
-              <a:ext uri="{FF2B5EF4-FFF2-40B4-BE49-F238E27FC236}">
-                <a16:creationId xmlns:a16="http://schemas.microsoft.com/office/drawing/2014/main" id="{999F8ADE-F061-4600-870D-89BCF0C493BB}"/>
-              </a:ext>
-            </a:extLst>
-          </p:cNvPr>
-          <p:cNvSpPr>
-            <a:spLocks noGrp="1"/>
-          </p:cNvSpPr>
-          <p:nvPr>
-            <p:ph idx="1"/>
-          </p:nvPr>
-        </p:nvSpPr>
-        <p:spPr/>
-        <p:txBody>
-          <a:bodyPr/>
+          <p:cNvPr id="6" name="TextBox 5">
+            <a:extLst>
+              <a:ext uri="{FF2B5EF4-FFF2-40B4-BE49-F238E27FC236}">
+                <a16:creationId xmlns:a16="http://schemas.microsoft.com/office/drawing/2014/main" id="{B730DDB0-55E3-4B0E-A79B-B8C9C9FAADD6}"/>
+              </a:ext>
+            </a:extLst>
+          </p:cNvPr>
+          <p:cNvSpPr txBox="1"/>
+          <p:nvPr/>
+        </p:nvSpPr>
+        <p:spPr>
+          <a:xfrm>
+            <a:off x="611560" y="1772816"/>
+            <a:ext cx="1236236" cy="369332"/>
+          </a:xfrm>
+          <a:prstGeom prst="rect">
+            <a:avLst/>
+          </a:prstGeom>
+          <a:noFill/>
+        </p:spPr>
+        <p:txBody>
+          <a:bodyPr wrap="none" rtlCol="0">
+            <a:spAutoFit/>
+          </a:bodyPr>
           <a:lstStyle/>
           <a:p>
-            <a:pPr marL="0" indent="0">
-              <a:lnSpc>
-                <a:spcPct val="150000"/>
-              </a:lnSpc>
-              <a:buNone/>
-            </a:pPr>
-            <a:r>
-              <a:rPr lang="en-US" sz="2000" dirty="0"/>
-              <a:t>A text editor is a software application used for creating, modifying, and saving text-based files. It provides a user-friendly interface for editing plain text files and offers various features to enhance productivity.</a:t>
-            </a:r>
-          </a:p>
-          <a:p>
-            <a:pPr marL="0" indent="0">
-              <a:lnSpc>
-                <a:spcPct val="150000"/>
-              </a:lnSpc>
-              <a:buNone/>
-            </a:pPr>
-            <a:r>
-              <a:rPr lang="en-US" sz="2000" dirty="0"/>
-              <a:t>Linux offers a variety of text editors with different features and capabilities. Some popular text editors in Linux include Nano, Vim, Vi Emacs, and </a:t>
-            </a:r>
-            <a:r>
-              <a:rPr lang="en-US" sz="2000" dirty="0" err="1"/>
-              <a:t>Gedit</a:t>
-            </a:r>
-            <a:r>
-              <a:rPr lang="en-US" sz="2000" dirty="0"/>
-              <a:t>. </a:t>
-            </a:r>
-          </a:p>
-          <a:p>
-            <a:pPr marL="0" indent="0">
-              <a:lnSpc>
-                <a:spcPct val="150000"/>
-              </a:lnSpc>
-              <a:buNone/>
-            </a:pPr>
-            <a:r>
-              <a:rPr lang="en-US" sz="2000" dirty="0"/>
-              <a:t>Overall, the basic functionality of a text editor in Linux involves opening a file, editing the text, saving changes, and exiting the editor, allowing users to manipulate plain text files efficiently in a Linux environment.</a:t>
-            </a:r>
-            <a:endParaRPr lang="en-RW" sz="1400" dirty="0"/>
+            <a:r>
+              <a:rPr lang="en-US" b="1" dirty="0"/>
+              <a:t>Student 1</a:t>
+            </a:r>
+            <a:endParaRPr lang="en-RW" b="1" dirty="0"/>
+          </a:p>
+        </p:txBody>
+      </p:sp>
+      <p:sp>
+        <p:nvSpPr>
+          <p:cNvPr id="7" name="TextBox 6">
+            <a:extLst>
+              <a:ext uri="{FF2B5EF4-FFF2-40B4-BE49-F238E27FC236}">
+                <a16:creationId xmlns:a16="http://schemas.microsoft.com/office/drawing/2014/main" id="{B75058CB-C0A2-4441-95DD-086104A72A0B}"/>
+              </a:ext>
+            </a:extLst>
+          </p:cNvPr>
+          <p:cNvSpPr txBox="1"/>
+          <p:nvPr/>
+        </p:nvSpPr>
+        <p:spPr>
+          <a:xfrm>
+            <a:off x="6012160" y="1604789"/>
+            <a:ext cx="1236236" cy="369332"/>
+          </a:xfrm>
+          <a:prstGeom prst="rect">
+            <a:avLst/>
+          </a:prstGeom>
+          <a:noFill/>
+        </p:spPr>
+        <p:txBody>
+          <a:bodyPr wrap="none" rtlCol="0">
+            <a:spAutoFit/>
+          </a:bodyPr>
+          <a:lstStyle/>
+          <a:p>
+            <a:r>
+              <a:rPr lang="en-US" b="1" dirty="0"/>
+              <a:t>Student 2</a:t>
+            </a:r>
+            <a:endParaRPr lang="en-RW" b="1" dirty="0"/>
+          </a:p>
+        </p:txBody>
+      </p:sp>
+      <p:sp>
+        <p:nvSpPr>
+          <p:cNvPr id="8" name="TextBox 7">
+            <a:extLst>
+              <a:ext uri="{FF2B5EF4-FFF2-40B4-BE49-F238E27FC236}">
+                <a16:creationId xmlns:a16="http://schemas.microsoft.com/office/drawing/2014/main" id="{BD119564-D02A-4F0C-950F-1DB6058CFC8B}"/>
+              </a:ext>
+            </a:extLst>
+          </p:cNvPr>
+          <p:cNvSpPr txBox="1"/>
+          <p:nvPr/>
+        </p:nvSpPr>
+        <p:spPr>
+          <a:xfrm>
+            <a:off x="1668663" y="5919704"/>
+            <a:ext cx="7151809" cy="646331"/>
+          </a:xfrm>
+          <a:prstGeom prst="rect">
+            <a:avLst/>
+          </a:prstGeom>
+          <a:noFill/>
+        </p:spPr>
+        <p:txBody>
+          <a:bodyPr wrap="square" rtlCol="0">
+            <a:spAutoFit/>
+          </a:bodyPr>
+          <a:lstStyle/>
+          <a:p>
+            <a:r>
+              <a:rPr lang="en-US" b="1" dirty="0"/>
+              <a:t>Student 1 user after saving changes, student 2 user can see them and edit the file</a:t>
+            </a:r>
+            <a:endParaRPr lang="en-RW" b="1" dirty="0"/>
           </a:p>
         </p:txBody>
       </p:sp>
     </p:spTree>
     <p:extLst>
       <p:ext uri="{BB962C8B-B14F-4D97-AF65-F5344CB8AC3E}">
-        <p14:creationId xmlns:p14="http://schemas.microsoft.com/office/powerpoint/2010/main" val="3135789158"/>
+        <p14:creationId xmlns:p14="http://schemas.microsoft.com/office/powerpoint/2010/main" val="376849640"/>
       </p:ext>
     </p:extLst>
   </p:cSld>
@@ -5246,7 +5630,7 @@
           <p:cNvPr id="2" name="Title 1">
             <a:extLst>
               <a:ext uri="{FF2B5EF4-FFF2-40B4-BE49-F238E27FC236}">
-                <a16:creationId xmlns:a16="http://schemas.microsoft.com/office/drawing/2014/main" id="{6A6E568D-87EB-4161-B3A8-636463C90756}"/>
+                <a16:creationId xmlns:a16="http://schemas.microsoft.com/office/drawing/2014/main" id="{63A65041-3F87-4662-9E46-D242A9E8AC22}"/>
               </a:ext>
             </a:extLst>
           </p:cNvPr>
@@ -5259,7 +5643,7 @@
         </p:nvSpPr>
         <p:spPr>
           <a:xfrm>
-            <a:off x="431474" y="0"/>
+            <a:off x="449810" y="0"/>
             <a:ext cx="8229600" cy="1143000"/>
           </a:xfrm>
         </p:spPr>
@@ -5268,7 +5652,7 @@
           <a:lstStyle/>
           <a:p>
             <a:r>
-              <a:rPr lang="en-US" sz="3200" b="1" dirty="0">
+              <a:rPr lang="en-US" b="1" dirty="0">
                 <a:solidFill>
                   <a:schemeClr val="bg1"/>
                 </a:solidFill>
@@ -5283,9 +5667,9 @@
                   <a:srgbClr val="0099CC"/>
                 </a:highlight>
               </a:rPr>
-              <a:t>The importance of communication when working on shared files</a:t>
-            </a:r>
-            <a:endParaRPr lang="en-RW" sz="3200" b="1" dirty="0">
+              <a:t>Text editor</a:t>
+            </a:r>
+            <a:endParaRPr lang="en-RW" b="1" dirty="0">
               <a:solidFill>
                 <a:schemeClr val="bg1"/>
               </a:solidFill>
@@ -5308,7 +5692,7 @@
           <p:cNvPr id="3" name="Content Placeholder 2">
             <a:extLst>
               <a:ext uri="{FF2B5EF4-FFF2-40B4-BE49-F238E27FC236}">
-                <a16:creationId xmlns:a16="http://schemas.microsoft.com/office/drawing/2014/main" id="{BF3D3146-C709-44D0-A751-94348551BDB5}"/>
+                <a16:creationId xmlns:a16="http://schemas.microsoft.com/office/drawing/2014/main" id="{999F8ADE-F061-4600-870D-89BCF0C493BB}"/>
               </a:ext>
             </a:extLst>
           </p:cNvPr>
@@ -5324,47 +5708,56 @@
           <a:bodyPr/>
           <a:lstStyle/>
           <a:p>
-            <a:r>
-              <a:rPr lang="en-US" sz="2000" b="1" dirty="0"/>
-              <a:t>Minimizing conflicts: </a:t>
-            </a:r>
+            <a:pPr marL="0" indent="0">
+              <a:lnSpc>
+                <a:spcPct val="150000"/>
+              </a:lnSpc>
+              <a:buNone/>
+            </a:pPr>
             <a:r>
               <a:rPr lang="en-US" sz="2000" dirty="0"/>
-              <a:t>Effective communication allows team members to discuss their work, intentions, and progress. It helps identify potential conflicts or overlapping efforts, enabling the team to resolve them before they become problematic.</a:t>
-            </a:r>
-          </a:p>
-          <a:p>
-            <a:r>
-              <a:rPr lang="en-US" sz="2000" b="1" dirty="0"/>
-              <a:t>Maintaining consistency : </a:t>
-            </a:r>
+              <a:t>A text editor is a software application used for creating, modifying, and saving text-based files. It provides a user-friendly interface for editing plain text files and offers various features to enhance productivity.</a:t>
+            </a:r>
+          </a:p>
+          <a:p>
+            <a:pPr marL="0" indent="0">
+              <a:lnSpc>
+                <a:spcPct val="150000"/>
+              </a:lnSpc>
+              <a:buNone/>
+            </a:pPr>
             <a:r>
               <a:rPr lang="en-US" sz="2000" dirty="0"/>
-              <a:t>Communication ensures that team members adhere to agreed-upon formatting, styles, and guidelines. Consistency in shared files leads to a unified and professional outcome.</a:t>
-            </a:r>
-          </a:p>
-          <a:p>
-            <a:r>
-              <a:rPr lang="en-US" sz="2000" b="1" dirty="0"/>
-              <a:t>Problem-solving: </a:t>
+              <a:t>Linux offers a variety of text editors with different features and capabilities. Some popular text editors in Linux include Nano, Vim, Vi Emacs, and </a:t>
+            </a:r>
+            <a:r>
+              <a:rPr lang="en-US" sz="2000" dirty="0" err="1"/>
+              <a:t>Gedit</a:t>
             </a:r>
             <a:r>
               <a:rPr lang="en-US" sz="2000" dirty="0"/>
-              <a:t>Communication and coordination facilitate effective problem-solving. Team members can discuss challenges they encounter while working on shared files and collaboratively find solutions.</a:t>
-            </a:r>
-          </a:p>
-          <a:p>
-            <a:endParaRPr lang="en-US" sz="2000" dirty="0"/>
-          </a:p>
-          <a:p>
-            <a:endParaRPr lang="en-RW" dirty="0"/>
+              <a:t>. </a:t>
+            </a:r>
+          </a:p>
+          <a:p>
+            <a:pPr marL="0" indent="0">
+              <a:lnSpc>
+                <a:spcPct val="150000"/>
+              </a:lnSpc>
+              <a:buNone/>
+            </a:pPr>
+            <a:r>
+              <a:rPr lang="en-US" sz="2000" dirty="0"/>
+              <a:t>Overall, the basic functionality of a text editor in Linux involves opening a file, editing the text, saving changes, and exiting the editor, allowing users to manipulate plain text files efficiently in a Linux environment.</a:t>
+            </a:r>
+            <a:endParaRPr lang="en-RW" sz="1400" dirty="0"/>
           </a:p>
         </p:txBody>
       </p:sp>
     </p:spTree>
     <p:extLst>
       <p:ext uri="{BB962C8B-B14F-4D97-AF65-F5344CB8AC3E}">
-        <p14:creationId xmlns:p14="http://schemas.microsoft.com/office/powerpoint/2010/main" val="2190905341"/>
+        <p14:creationId xmlns:p14="http://schemas.microsoft.com/office/powerpoint/2010/main" val="3135789158"/>
       </p:ext>
     </p:extLst>
   </p:cSld>
